--- a/91691f04e2178ac8546247089e4c12f7b4aa92851b87e3284e86f4739f2eb005/logos/logo.pptx
+++ b/91691f04e2178ac8546247089e4c12f7b4aa92851b87e3284e86f4739f2eb005/logos/logo.pptx
@@ -6,6 +6,7 @@
   </p:sldMasterIdLst>
   <p:sldIdLst>
     <p:sldId id="256" r:id="rId2"/>
+    <p:sldId id="257" r:id="rId3"/>
   </p:sldIdLst>
   <p:sldSz cx="12192000" cy="6858000"/>
   <p:notesSz cx="6858000" cy="9144000"/>
@@ -104,6 +105,11 @@
       </a:defRPr>
     </a:lvl9pPr>
   </p:defaultTextStyle>
+  <p:extLst>
+    <p:ext uri="{EFAFB233-063F-42B5-8137-9DF3F51BA10A}">
+      <p15:sldGuideLst xmlns:p15="http://schemas.microsoft.com/office/powerpoint/2012/main"/>
+    </p:ext>
+  </p:extLst>
 </p:presentation>
 </file>
 
@@ -3480,6 +3486,165 @@
     <p:extLst>
       <p:ext uri="{BB962C8B-B14F-4D97-AF65-F5344CB8AC3E}">
         <p14:creationId xmlns:p14="http://schemas.microsoft.com/office/powerpoint/2010/main" val="3326796782"/>
+      </p:ext>
+    </p:extLst>
+  </p:cSld>
+  <p:clrMapOvr>
+    <a:masterClrMapping/>
+  </p:clrMapOvr>
+</p:sld>
+</file>
+
+<file path=ppt/slides/slide2.xml><?xml version="1.0" encoding="utf-8"?>
+<p:sld xmlns:a="http://schemas.openxmlformats.org/drawingml/2006/main" xmlns:r="http://schemas.openxmlformats.org/officeDocument/2006/relationships" xmlns:p="http://schemas.openxmlformats.org/presentationml/2006/main">
+  <p:cSld>
+    <p:spTree>
+      <p:nvGrpSpPr>
+        <p:cNvPr id="1" name=""/>
+        <p:cNvGrpSpPr/>
+        <p:nvPr/>
+      </p:nvGrpSpPr>
+      <p:grpSpPr>
+        <a:xfrm>
+          <a:off x="0" y="0"/>
+          <a:ext cx="0" cy="0"/>
+          <a:chOff x="0" y="0"/>
+          <a:chExt cx="0" cy="0"/>
+        </a:xfrm>
+      </p:grpSpPr>
+      <p:pic>
+        <p:nvPicPr>
+          <p:cNvPr id="5" name="Picture 4" descr="A black background with a black square&#10;&#10;Description automatically generated with medium confidence">
+            <a:extLst>
+              <a:ext uri="{FF2B5EF4-FFF2-40B4-BE49-F238E27FC236}">
+                <a16:creationId xmlns:a16="http://schemas.microsoft.com/office/drawing/2014/main" id="{AC1624C8-50B0-37D6-4AA8-7368A4EA5488}"/>
+              </a:ext>
+            </a:extLst>
+          </p:cNvPr>
+          <p:cNvPicPr>
+            <a:picLocks noChangeAspect="1"/>
+          </p:cNvPicPr>
+          <p:nvPr/>
+        </p:nvPicPr>
+        <p:blipFill rotWithShape="1">
+          <a:blip r:embed="rId2"/>
+          <a:srcRect l="1226" r="4097" b="12548"/>
+          <a:stretch/>
+        </p:blipFill>
+        <p:spPr>
+          <a:xfrm>
+            <a:off x="1937657" y="3483429"/>
+            <a:ext cx="7358743" cy="1491343"/>
+          </a:xfrm>
+          <a:prstGeom prst="rect">
+            <a:avLst/>
+          </a:prstGeom>
+        </p:spPr>
+      </p:pic>
+      <p:pic>
+        <p:nvPicPr>
+          <p:cNvPr id="7" name="Picture 6" descr="A close-up of a sign&#10;&#10;Description automatically generated">
+            <a:extLst>
+              <a:ext uri="{FF2B5EF4-FFF2-40B4-BE49-F238E27FC236}">
+                <a16:creationId xmlns:a16="http://schemas.microsoft.com/office/drawing/2014/main" id="{444DD53D-DA54-76B7-468B-558FF2E9EA29}"/>
+              </a:ext>
+            </a:extLst>
+          </p:cNvPr>
+          <p:cNvPicPr>
+            <a:picLocks noChangeAspect="1"/>
+          </p:cNvPicPr>
+          <p:nvPr/>
+        </p:nvPicPr>
+        <p:blipFill>
+          <a:blip r:embed="rId3"/>
+          <a:stretch>
+            <a:fillRect/>
+          </a:stretch>
+        </p:blipFill>
+        <p:spPr>
+          <a:xfrm>
+            <a:off x="1943100" y="1320918"/>
+            <a:ext cx="7353300" cy="1485900"/>
+          </a:xfrm>
+          <a:prstGeom prst="rect">
+            <a:avLst/>
+          </a:prstGeom>
+        </p:spPr>
+      </p:pic>
+      <p:sp>
+        <p:nvSpPr>
+          <p:cNvPr id="8" name="TextBox 7">
+            <a:extLst>
+              <a:ext uri="{FF2B5EF4-FFF2-40B4-BE49-F238E27FC236}">
+                <a16:creationId xmlns:a16="http://schemas.microsoft.com/office/drawing/2014/main" id="{67132D05-B86C-3D68-45D4-CA0CFBAF0F24}"/>
+              </a:ext>
+            </a:extLst>
+          </p:cNvPr>
+          <p:cNvSpPr txBox="1"/>
+          <p:nvPr/>
+        </p:nvSpPr>
+        <p:spPr>
+          <a:xfrm>
+            <a:off x="1183660" y="1694536"/>
+            <a:ext cx="603050" cy="369332"/>
+          </a:xfrm>
+          <a:prstGeom prst="rect">
+            <a:avLst/>
+          </a:prstGeom>
+          <a:noFill/>
+        </p:spPr>
+        <p:txBody>
+          <a:bodyPr wrap="none" rtlCol="0">
+            <a:spAutoFit/>
+          </a:bodyPr>
+          <a:lstStyle/>
+          <a:p>
+            <a:r>
+              <a:rPr lang="en-JP" dirty="0"/>
+              <a:t>jpeg</a:t>
+            </a:r>
+          </a:p>
+        </p:txBody>
+      </p:sp>
+      <p:sp>
+        <p:nvSpPr>
+          <p:cNvPr id="9" name="TextBox 8">
+            <a:extLst>
+              <a:ext uri="{FF2B5EF4-FFF2-40B4-BE49-F238E27FC236}">
+                <a16:creationId xmlns:a16="http://schemas.microsoft.com/office/drawing/2014/main" id="{9B79A18E-3A94-D08A-5411-6FA3542FEB12}"/>
+              </a:ext>
+            </a:extLst>
+          </p:cNvPr>
+          <p:cNvSpPr txBox="1"/>
+          <p:nvPr/>
+        </p:nvSpPr>
+        <p:spPr>
+          <a:xfrm>
+            <a:off x="1207780" y="4044434"/>
+            <a:ext cx="553357" cy="369332"/>
+          </a:xfrm>
+          <a:prstGeom prst="rect">
+            <a:avLst/>
+          </a:prstGeom>
+          <a:noFill/>
+        </p:spPr>
+        <p:txBody>
+          <a:bodyPr wrap="none" rtlCol="0">
+            <a:spAutoFit/>
+          </a:bodyPr>
+          <a:lstStyle/>
+          <a:p>
+            <a:r>
+              <a:rPr lang="en-JP" dirty="0"/>
+              <a:t>png</a:t>
+            </a:r>
+          </a:p>
+        </p:txBody>
+      </p:sp>
+    </p:spTree>
+    <p:extLst>
+      <p:ext uri="{BB962C8B-B14F-4D97-AF65-F5344CB8AC3E}">
+        <p14:creationId xmlns:p14="http://schemas.microsoft.com/office/powerpoint/2010/main" val="3491770603"/>
       </p:ext>
     </p:extLst>
   </p:cSld>

--- a/91691f04e2178ac8546247089e4c12f7b4aa92851b87e3284e86f4739f2eb005/logos/logo.pptx
+++ b/91691f04e2178ac8546247089e4c12f7b4aa92851b87e3284e86f4739f2eb005/logos/logo.pptx
@@ -7,6 +7,7 @@
   <p:sldIdLst>
     <p:sldId id="256" r:id="rId2"/>
     <p:sldId id="257" r:id="rId3"/>
+    <p:sldId id="258" r:id="rId4"/>
   </p:sldIdLst>
   <p:sldSz cx="12192000" cy="6858000"/>
   <p:notesSz cx="6858000" cy="9144000"/>
@@ -262,7 +263,7 @@
           <a:p>
             <a:fld id="{32713960-6B52-DC4B-8A10-B00939D026C8}" type="datetimeFigureOut">
               <a:rPr lang="en-JP" smtClean="0"/>
-              <a:t>2024/05/27</a:t>
+              <a:t>2024/05/28</a:t>
             </a:fld>
             <a:endParaRPr lang="en-JP"/>
           </a:p>
@@ -462,7 +463,7 @@
           <a:p>
             <a:fld id="{32713960-6B52-DC4B-8A10-B00939D026C8}" type="datetimeFigureOut">
               <a:rPr lang="en-JP" smtClean="0"/>
-              <a:t>2024/05/27</a:t>
+              <a:t>2024/05/28</a:t>
             </a:fld>
             <a:endParaRPr lang="en-JP"/>
           </a:p>
@@ -672,7 +673,7 @@
           <a:p>
             <a:fld id="{32713960-6B52-DC4B-8A10-B00939D026C8}" type="datetimeFigureOut">
               <a:rPr lang="en-JP" smtClean="0"/>
-              <a:t>2024/05/27</a:t>
+              <a:t>2024/05/28</a:t>
             </a:fld>
             <a:endParaRPr lang="en-JP"/>
           </a:p>
@@ -872,7 +873,7 @@
           <a:p>
             <a:fld id="{32713960-6B52-DC4B-8A10-B00939D026C8}" type="datetimeFigureOut">
               <a:rPr lang="en-JP" smtClean="0"/>
-              <a:t>2024/05/27</a:t>
+              <a:t>2024/05/28</a:t>
             </a:fld>
             <a:endParaRPr lang="en-JP"/>
           </a:p>
@@ -1148,7 +1149,7 @@
           <a:p>
             <a:fld id="{32713960-6B52-DC4B-8A10-B00939D026C8}" type="datetimeFigureOut">
               <a:rPr lang="en-JP" smtClean="0"/>
-              <a:t>2024/05/27</a:t>
+              <a:t>2024/05/28</a:t>
             </a:fld>
             <a:endParaRPr lang="en-JP"/>
           </a:p>
@@ -1416,7 +1417,7 @@
           <a:p>
             <a:fld id="{32713960-6B52-DC4B-8A10-B00939D026C8}" type="datetimeFigureOut">
               <a:rPr lang="en-JP" smtClean="0"/>
-              <a:t>2024/05/27</a:t>
+              <a:t>2024/05/28</a:t>
             </a:fld>
             <a:endParaRPr lang="en-JP"/>
           </a:p>
@@ -1831,7 +1832,7 @@
           <a:p>
             <a:fld id="{32713960-6B52-DC4B-8A10-B00939D026C8}" type="datetimeFigureOut">
               <a:rPr lang="en-JP" smtClean="0"/>
-              <a:t>2024/05/27</a:t>
+              <a:t>2024/05/28</a:t>
             </a:fld>
             <a:endParaRPr lang="en-JP"/>
           </a:p>
@@ -1973,7 +1974,7 @@
           <a:p>
             <a:fld id="{32713960-6B52-DC4B-8A10-B00939D026C8}" type="datetimeFigureOut">
               <a:rPr lang="en-JP" smtClean="0"/>
-              <a:t>2024/05/27</a:t>
+              <a:t>2024/05/28</a:t>
             </a:fld>
             <a:endParaRPr lang="en-JP"/>
           </a:p>
@@ -2086,7 +2087,7 @@
           <a:p>
             <a:fld id="{32713960-6B52-DC4B-8A10-B00939D026C8}" type="datetimeFigureOut">
               <a:rPr lang="en-JP" smtClean="0"/>
-              <a:t>2024/05/27</a:t>
+              <a:t>2024/05/28</a:t>
             </a:fld>
             <a:endParaRPr lang="en-JP"/>
           </a:p>
@@ -2399,7 +2400,7 @@
           <a:p>
             <a:fld id="{32713960-6B52-DC4B-8A10-B00939D026C8}" type="datetimeFigureOut">
               <a:rPr lang="en-JP" smtClean="0"/>
-              <a:t>2024/05/27</a:t>
+              <a:t>2024/05/28</a:t>
             </a:fld>
             <a:endParaRPr lang="en-JP"/>
           </a:p>
@@ -2688,7 +2689,7 @@
           <a:p>
             <a:fld id="{32713960-6B52-DC4B-8A10-B00939D026C8}" type="datetimeFigureOut">
               <a:rPr lang="en-JP" smtClean="0"/>
-              <a:t>2024/05/27</a:t>
+              <a:t>2024/05/28</a:t>
             </a:fld>
             <a:endParaRPr lang="en-JP"/>
           </a:p>
@@ -2931,7 +2932,7 @@
           <a:p>
             <a:fld id="{32713960-6B52-DC4B-8A10-B00939D026C8}" type="datetimeFigureOut">
               <a:rPr lang="en-JP" smtClean="0"/>
-              <a:t>2024/05/27</a:t>
+              <a:t>2024/05/28</a:t>
             </a:fld>
             <a:endParaRPr lang="en-JP"/>
           </a:p>
@@ -3376,112 +3377,91 @@
           </a:p>
         </p:txBody>
       </p:sp>
-      <p:grpSp>
-        <p:nvGrpSpPr>
-          <p:cNvPr id="5" name="Group 4">
-            <a:extLst>
-              <a:ext uri="{FF2B5EF4-FFF2-40B4-BE49-F238E27FC236}">
-                <a16:creationId xmlns:a16="http://schemas.microsoft.com/office/drawing/2014/main" id="{928C7B50-127C-F503-499B-3F930B2F8230}"/>
-              </a:ext>
-            </a:extLst>
-          </p:cNvPr>
-          <p:cNvGrpSpPr/>
+      <p:sp>
+        <p:nvSpPr>
+          <p:cNvPr id="4" name="TextBox 3">
+            <a:extLst>
+              <a:ext uri="{FF2B5EF4-FFF2-40B4-BE49-F238E27FC236}">
+                <a16:creationId xmlns:a16="http://schemas.microsoft.com/office/drawing/2014/main" id="{4AEBF6B9-FEDE-0EFA-9177-6065CCB80135}"/>
+              </a:ext>
+            </a:extLst>
+          </p:cNvPr>
+          <p:cNvSpPr txBox="1"/>
           <p:nvPr/>
-        </p:nvGrpSpPr>
-        <p:grpSpPr>
+        </p:nvSpPr>
+        <p:spPr>
+          <a:xfrm>
+            <a:off x="3091542" y="1785847"/>
+            <a:ext cx="6647974" cy="1200329"/>
+          </a:xfrm>
+          <a:prstGeom prst="rect">
+            <a:avLst/>
+          </a:prstGeom>
+          <a:noFill/>
+        </p:spPr>
+        <p:txBody>
+          <a:bodyPr wrap="none" rtlCol="0">
+            <a:spAutoFit/>
+          </a:bodyPr>
+          <a:lstStyle/>
+          <a:p>
+            <a:r>
+              <a:rPr lang="en-JP" sz="7200" dirty="0">
+                <a:latin typeface="Yu Mincho" panose="02020400000000000000" pitchFamily="18" charset="-128"/>
+                <a:ea typeface="Yu Mincho" panose="02020400000000000000" pitchFamily="18" charset="-128"/>
+              </a:rPr>
+              <a:t>当事者化用語集</a:t>
+            </a:r>
+          </a:p>
+        </p:txBody>
+      </p:sp>
+      <p:pic>
+        <p:nvPicPr>
+          <p:cNvPr id="1026" name="Picture 2">
+            <a:extLst>
+              <a:ext uri="{FF2B5EF4-FFF2-40B4-BE49-F238E27FC236}">
+                <a16:creationId xmlns:a16="http://schemas.microsoft.com/office/drawing/2014/main" id="{22DAFA04-7A57-EF44-FA51-6783C272F052}"/>
+              </a:ext>
+            </a:extLst>
+          </p:cNvPr>
+          <p:cNvPicPr>
+            <a:picLocks noChangeAspect="1" noChangeArrowheads="1"/>
+          </p:cNvPicPr>
+          <p:nvPr/>
+        </p:nvPicPr>
+        <p:blipFill>
+          <a:blip r:embed="rId2">
+            <a:extLst>
+              <a:ext uri="{28A0092B-C50C-407E-A947-70E740481C1C}">
+                <a14:useLocalDpi xmlns:a14="http://schemas.microsoft.com/office/drawing/2010/main" val="0"/>
+              </a:ext>
+            </a:extLst>
+          </a:blip>
+          <a:srcRect/>
+          <a:stretch>
+            <a:fillRect/>
+          </a:stretch>
+        </p:blipFill>
+        <p:spPr bwMode="auto">
           <a:xfrm>
             <a:off x="1096662" y="1516062"/>
-            <a:ext cx="8642854" cy="1739900"/>
-            <a:chOff x="1096662" y="1516062"/>
-            <a:chExt cx="8642854" cy="1739900"/>
+            <a:ext cx="2540000" cy="1739900"/>
           </a:xfrm>
-        </p:grpSpPr>
-        <p:sp>
-          <p:nvSpPr>
-            <p:cNvPr id="4" name="TextBox 3">
-              <a:extLst>
-                <a:ext uri="{FF2B5EF4-FFF2-40B4-BE49-F238E27FC236}">
-                  <a16:creationId xmlns:a16="http://schemas.microsoft.com/office/drawing/2014/main" id="{4AEBF6B9-FEDE-0EFA-9177-6065CCB80135}"/>
-                </a:ext>
-              </a:extLst>
-            </p:cNvPr>
-            <p:cNvSpPr txBox="1"/>
-            <p:nvPr/>
-          </p:nvSpPr>
-          <p:spPr>
-            <a:xfrm>
-              <a:off x="3091542" y="1785847"/>
-              <a:ext cx="6647974" cy="1200329"/>
-            </a:xfrm>
-            <a:prstGeom prst="rect">
-              <a:avLst/>
-            </a:prstGeom>
-            <a:noFill/>
-          </p:spPr>
-          <p:txBody>
-            <a:bodyPr wrap="none" rtlCol="0">
-              <a:spAutoFit/>
-            </a:bodyPr>
-            <a:lstStyle/>
-            <a:p>
-              <a:r>
-                <a:rPr lang="en-JP" sz="7200" dirty="0">
-                  <a:latin typeface="Yu Mincho" panose="02020400000000000000" pitchFamily="18" charset="-128"/>
-                  <a:ea typeface="Yu Mincho" panose="02020400000000000000" pitchFamily="18" charset="-128"/>
-                </a:rPr>
-                <a:t>当事者化用語集</a:t>
-              </a:r>
-            </a:p>
-          </p:txBody>
-        </p:sp>
-        <p:pic>
-          <p:nvPicPr>
-            <p:cNvPr id="1026" name="Picture 2">
-              <a:extLst>
-                <a:ext uri="{FF2B5EF4-FFF2-40B4-BE49-F238E27FC236}">
-                  <a16:creationId xmlns:a16="http://schemas.microsoft.com/office/drawing/2014/main" id="{22DAFA04-7A57-EF44-FA51-6783C272F052}"/>
-                </a:ext>
-              </a:extLst>
-            </p:cNvPr>
-            <p:cNvPicPr>
-              <a:picLocks noChangeAspect="1" noChangeArrowheads="1"/>
-            </p:cNvPicPr>
-            <p:nvPr/>
-          </p:nvPicPr>
-          <p:blipFill>
-            <a:blip r:embed="rId2">
-              <a:extLst>
-                <a:ext uri="{28A0092B-C50C-407E-A947-70E740481C1C}">
-                  <a14:useLocalDpi xmlns:a14="http://schemas.microsoft.com/office/drawing/2010/main" val="0"/>
-                </a:ext>
-              </a:extLst>
-            </a:blip>
-            <a:srcRect/>
-            <a:stretch>
-              <a:fillRect/>
-            </a:stretch>
-          </p:blipFill>
-          <p:spPr bwMode="auto">
-            <a:xfrm>
-              <a:off x="1096662" y="1516062"/>
-              <a:ext cx="2540000" cy="1739900"/>
-            </a:xfrm>
-            <a:prstGeom prst="rect">
-              <a:avLst/>
-            </a:prstGeom>
-            <a:noFill/>
-            <a:extLst>
-              <a:ext uri="{909E8E84-426E-40DD-AFC4-6F175D3DCCD1}">
-                <a14:hiddenFill xmlns:a14="http://schemas.microsoft.com/office/drawing/2010/main">
-                  <a:solidFill>
-                    <a:srgbClr val="FFFFFF"/>
-                  </a:solidFill>
-                </a14:hiddenFill>
-              </a:ext>
-            </a:extLst>
-          </p:spPr>
-        </p:pic>
-      </p:grpSp>
+          <a:prstGeom prst="rect">
+            <a:avLst/>
+          </a:prstGeom>
+          <a:noFill/>
+          <a:extLst>
+            <a:ext uri="{909E8E84-426E-40DD-AFC4-6F175D3DCCD1}">
+              <a14:hiddenFill xmlns:a14="http://schemas.microsoft.com/office/drawing/2010/main">
+                <a:solidFill>
+                  <a:srgbClr val="FFFFFF"/>
+                </a:solidFill>
+              </a14:hiddenFill>
+            </a:ext>
+          </a:extLst>
+        </p:spPr>
+      </p:pic>
     </p:spTree>
     <p:extLst>
       <p:ext uri="{BB962C8B-B14F-4D97-AF65-F5344CB8AC3E}">
@@ -3645,6 +3625,81 @@
     <p:extLst>
       <p:ext uri="{BB962C8B-B14F-4D97-AF65-F5344CB8AC3E}">
         <p14:creationId xmlns:p14="http://schemas.microsoft.com/office/powerpoint/2010/main" val="3491770603"/>
+      </p:ext>
+    </p:extLst>
+  </p:cSld>
+  <p:clrMapOvr>
+    <a:masterClrMapping/>
+  </p:clrMapOvr>
+</p:sld>
+</file>
+
+<file path=ppt/slides/slide3.xml><?xml version="1.0" encoding="utf-8"?>
+<p:sld xmlns:a="http://schemas.openxmlformats.org/drawingml/2006/main" xmlns:r="http://schemas.openxmlformats.org/officeDocument/2006/relationships" xmlns:p="http://schemas.openxmlformats.org/presentationml/2006/main">
+  <p:cSld>
+    <p:spTree>
+      <p:nvGrpSpPr>
+        <p:cNvPr id="1" name=""/>
+        <p:cNvGrpSpPr/>
+        <p:nvPr/>
+      </p:nvGrpSpPr>
+      <p:grpSpPr>
+        <a:xfrm>
+          <a:off x="0" y="0"/>
+          <a:ext cx="0" cy="0"/>
+          <a:chOff x="0" y="0"/>
+          <a:chExt cx="0" cy="0"/>
+        </a:xfrm>
+      </p:grpSpPr>
+      <p:pic>
+        <p:nvPicPr>
+          <p:cNvPr id="4" name="Picture 2">
+            <a:extLst>
+              <a:ext uri="{FF2B5EF4-FFF2-40B4-BE49-F238E27FC236}">
+                <a16:creationId xmlns:a16="http://schemas.microsoft.com/office/drawing/2014/main" id="{DB15374A-9A15-6120-DB9D-15D76CCA8C57}"/>
+              </a:ext>
+            </a:extLst>
+          </p:cNvPr>
+          <p:cNvPicPr>
+            <a:picLocks noChangeAspect="1" noChangeArrowheads="1"/>
+          </p:cNvPicPr>
+          <p:nvPr/>
+        </p:nvPicPr>
+        <p:blipFill rotWithShape="1">
+          <a:blip r:embed="rId2">
+            <a:extLst>
+              <a:ext uri="{28A0092B-C50C-407E-A947-70E740481C1C}">
+                <a14:useLocalDpi xmlns:a14="http://schemas.microsoft.com/office/drawing/2010/main" val="0"/>
+              </a:ext>
+            </a:extLst>
+          </a:blip>
+          <a:srcRect r="11605"/>
+          <a:stretch/>
+        </p:blipFill>
+        <p:spPr bwMode="auto">
+          <a:xfrm>
+            <a:off x="1096662" y="1516062"/>
+            <a:ext cx="2245252" cy="1739900"/>
+          </a:xfrm>
+          <a:prstGeom prst="rect">
+            <a:avLst/>
+          </a:prstGeom>
+          <a:noFill/>
+          <a:extLst>
+            <a:ext uri="{909E8E84-426E-40DD-AFC4-6F175D3DCCD1}">
+              <a14:hiddenFill xmlns:a14="http://schemas.microsoft.com/office/drawing/2010/main">
+                <a:solidFill>
+                  <a:srgbClr val="FFFFFF"/>
+                </a:solidFill>
+              </a14:hiddenFill>
+            </a:ext>
+          </a:extLst>
+        </p:spPr>
+      </p:pic>
+    </p:spTree>
+    <p:extLst>
+      <p:ext uri="{BB962C8B-B14F-4D97-AF65-F5344CB8AC3E}">
+        <p14:creationId xmlns:p14="http://schemas.microsoft.com/office/powerpoint/2010/main" val="2821805108"/>
       </p:ext>
     </p:extLst>
   </p:cSld>
